--- a/AI Presentation Mahir.pptx
+++ b/AI Presentation Mahir.pptx
@@ -5,7 +5,7 @@
     <p:sldMasterId id="2147483809" r:id="rId1"/>
   </p:sldMasterIdLst>
   <p:notesMasterIdLst>
-    <p:notesMasterId r:id="rId34"/>
+    <p:notesMasterId r:id="rId35"/>
   </p:notesMasterIdLst>
   <p:sldIdLst>
     <p:sldId id="257" r:id="rId2"/>
@@ -24,22 +24,23 @@
     <p:sldId id="263" r:id="rId15"/>
     <p:sldId id="264" r:id="rId16"/>
     <p:sldId id="273" r:id="rId17"/>
-    <p:sldId id="276" r:id="rId18"/>
-    <p:sldId id="270" r:id="rId19"/>
-    <p:sldId id="271" r:id="rId20"/>
-    <p:sldId id="272" r:id="rId21"/>
-    <p:sldId id="279" r:id="rId22"/>
-    <p:sldId id="280" r:id="rId23"/>
-    <p:sldId id="275" r:id="rId24"/>
-    <p:sldId id="278" r:id="rId25"/>
-    <p:sldId id="269" r:id="rId26"/>
-    <p:sldId id="282" r:id="rId27"/>
-    <p:sldId id="283" r:id="rId28"/>
-    <p:sldId id="286" r:id="rId29"/>
-    <p:sldId id="287" r:id="rId30"/>
-    <p:sldId id="285" r:id="rId31"/>
-    <p:sldId id="288" r:id="rId32"/>
-    <p:sldId id="284" r:id="rId33"/>
+    <p:sldId id="289" r:id="rId18"/>
+    <p:sldId id="276" r:id="rId19"/>
+    <p:sldId id="270" r:id="rId20"/>
+    <p:sldId id="271" r:id="rId21"/>
+    <p:sldId id="272" r:id="rId22"/>
+    <p:sldId id="279" r:id="rId23"/>
+    <p:sldId id="280" r:id="rId24"/>
+    <p:sldId id="275" r:id="rId25"/>
+    <p:sldId id="278" r:id="rId26"/>
+    <p:sldId id="269" r:id="rId27"/>
+    <p:sldId id="282" r:id="rId28"/>
+    <p:sldId id="283" r:id="rId29"/>
+    <p:sldId id="286" r:id="rId30"/>
+    <p:sldId id="287" r:id="rId31"/>
+    <p:sldId id="285" r:id="rId32"/>
+    <p:sldId id="288" r:id="rId33"/>
+    <p:sldId id="284" r:id="rId34"/>
   </p:sldIdLst>
   <p:sldSz cx="12192000" cy="6858000"/>
   <p:notesSz cx="6858000" cy="9144000"/>
@@ -228,7 +229,7 @@
           <a:p>
             <a:fld id="{B4405724-63B3-B64E-B4BD-7CC09CDB0F4C}" type="datetimeFigureOut">
               <a:rPr lang="en-US" smtClean="0"/>
-              <a:t>11/28/20</a:t>
+              <a:t>11/30/20</a:t>
             </a:fld>
             <a:endParaRPr lang="en-US"/>
           </a:p>
@@ -1109,7 +1110,7 @@
           <a:p>
             <a:fld id="{472B6300-97D4-F145-AADC-B8BD19C7D77F}" type="datetimeFigureOut">
               <a:rPr lang="en-US" smtClean="0"/>
-              <a:t>11/28/20</a:t>
+              <a:t>11/30/20</a:t>
             </a:fld>
             <a:endParaRPr lang="en-US"/>
           </a:p>
@@ -1447,7 +1448,7 @@
           <a:p>
             <a:fld id="{472B6300-97D4-F145-AADC-B8BD19C7D77F}" type="datetimeFigureOut">
               <a:rPr lang="en-US" smtClean="0"/>
-              <a:t>11/28/20</a:t>
+              <a:t>11/30/20</a:t>
             </a:fld>
             <a:endParaRPr lang="en-US"/>
           </a:p>
@@ -1848,7 +1849,7 @@
           <a:p>
             <a:fld id="{472B6300-97D4-F145-AADC-B8BD19C7D77F}" type="datetimeFigureOut">
               <a:rPr lang="en-US" smtClean="0"/>
-              <a:t>11/28/20</a:t>
+              <a:t>11/30/20</a:t>
             </a:fld>
             <a:endParaRPr lang="en-US"/>
           </a:p>
@@ -2184,7 +2185,7 @@
           <a:p>
             <a:fld id="{472B6300-97D4-F145-AADC-B8BD19C7D77F}" type="datetimeFigureOut">
               <a:rPr lang="en-US" smtClean="0"/>
-              <a:t>11/28/20</a:t>
+              <a:t>11/30/20</a:t>
             </a:fld>
             <a:endParaRPr lang="en-US"/>
           </a:p>
@@ -2504,7 +2505,7 @@
           <a:p>
             <a:fld id="{472B6300-97D4-F145-AADC-B8BD19C7D77F}" type="datetimeFigureOut">
               <a:rPr lang="en-US" smtClean="0"/>
-              <a:t>11/28/20</a:t>
+              <a:t>11/30/20</a:t>
             </a:fld>
             <a:endParaRPr lang="en-US"/>
           </a:p>
@@ -2900,7 +2901,7 @@
           <a:p>
             <a:fld id="{472B6300-97D4-F145-AADC-B8BD19C7D77F}" type="datetimeFigureOut">
               <a:rPr lang="en-US" smtClean="0"/>
-              <a:t>11/28/20</a:t>
+              <a:t>11/30/20</a:t>
             </a:fld>
             <a:endParaRPr lang="en-US"/>
           </a:p>
@@ -3157,7 +3158,7 @@
           <a:p>
             <a:fld id="{472B6300-97D4-F145-AADC-B8BD19C7D77F}" type="datetimeFigureOut">
               <a:rPr lang="en-US" smtClean="0"/>
-              <a:t>11/28/20</a:t>
+              <a:t>11/30/20</a:t>
             </a:fld>
             <a:endParaRPr lang="en-US"/>
           </a:p>
@@ -3419,7 +3420,7 @@
           <a:p>
             <a:fld id="{472B6300-97D4-F145-AADC-B8BD19C7D77F}" type="datetimeFigureOut">
               <a:rPr lang="en-US" smtClean="0"/>
-              <a:t>11/28/20</a:t>
+              <a:t>11/30/20</a:t>
             </a:fld>
             <a:endParaRPr lang="en-US"/>
           </a:p>
@@ -3681,7 +3682,7 @@
           <a:p>
             <a:fld id="{472B6300-97D4-F145-AADC-B8BD19C7D77F}" type="datetimeFigureOut">
               <a:rPr lang="en-US" smtClean="0"/>
-              <a:t>11/28/20</a:t>
+              <a:t>11/30/20</a:t>
             </a:fld>
             <a:endParaRPr lang="en-US"/>
           </a:p>
@@ -4010,7 +4011,7 @@
           <a:p>
             <a:fld id="{472B6300-97D4-F145-AADC-B8BD19C7D77F}" type="datetimeFigureOut">
               <a:rPr lang="en-US" smtClean="0"/>
-              <a:t>11/28/20</a:t>
+              <a:t>11/30/20</a:t>
             </a:fld>
             <a:endParaRPr lang="en-US"/>
           </a:p>
@@ -4333,7 +4334,7 @@
           <a:p>
             <a:fld id="{472B6300-97D4-F145-AADC-B8BD19C7D77F}" type="datetimeFigureOut">
               <a:rPr lang="en-US" smtClean="0"/>
-              <a:t>11/28/20</a:t>
+              <a:t>11/30/20</a:t>
             </a:fld>
             <a:endParaRPr lang="en-US"/>
           </a:p>
@@ -4790,7 +4791,7 @@
           <a:p>
             <a:fld id="{472B6300-97D4-F145-AADC-B8BD19C7D77F}" type="datetimeFigureOut">
               <a:rPr lang="en-US" smtClean="0"/>
-              <a:t>11/28/20</a:t>
+              <a:t>11/30/20</a:t>
             </a:fld>
             <a:endParaRPr lang="en-US"/>
           </a:p>
@@ -4995,7 +4996,7 @@
           <a:p>
             <a:fld id="{472B6300-97D4-F145-AADC-B8BD19C7D77F}" type="datetimeFigureOut">
               <a:rPr lang="en-US" smtClean="0"/>
-              <a:t>11/28/20</a:t>
+              <a:t>11/30/20</a:t>
             </a:fld>
             <a:endParaRPr lang="en-US"/>
           </a:p>
@@ -5172,7 +5173,7 @@
           <a:p>
             <a:fld id="{472B6300-97D4-F145-AADC-B8BD19C7D77F}" type="datetimeFigureOut">
               <a:rPr lang="en-US" smtClean="0"/>
-              <a:t>11/28/20</a:t>
+              <a:t>11/30/20</a:t>
             </a:fld>
             <a:endParaRPr lang="en-US"/>
           </a:p>
@@ -5505,7 +5506,7 @@
           <a:p>
             <a:fld id="{472B6300-97D4-F145-AADC-B8BD19C7D77F}" type="datetimeFigureOut">
               <a:rPr lang="en-US" smtClean="0"/>
-              <a:t>11/28/20</a:t>
+              <a:t>11/30/20</a:t>
             </a:fld>
             <a:endParaRPr lang="en-US"/>
           </a:p>
@@ -5850,7 +5851,7 @@
           <a:p>
             <a:fld id="{472B6300-97D4-F145-AADC-B8BD19C7D77F}" type="datetimeFigureOut">
               <a:rPr lang="en-US" smtClean="0"/>
-              <a:t>11/28/20</a:t>
+              <a:t>11/30/20</a:t>
             </a:fld>
             <a:endParaRPr lang="en-US"/>
           </a:p>
@@ -7967,7 +7968,7 @@
           <a:p>
             <a:fld id="{472B6300-97D4-F145-AADC-B8BD19C7D77F}" type="datetimeFigureOut">
               <a:rPr lang="en-US" smtClean="0"/>
-              <a:t>11/28/20</a:t>
+              <a:t>11/30/20</a:t>
             </a:fld>
             <a:endParaRPr lang="en-US"/>
           </a:p>
@@ -8906,8 +8907,8 @@
         </p:nvSpPr>
         <p:spPr>
           <a:xfrm>
-            <a:off x="1534509" y="4519448"/>
-            <a:ext cx="2469931" cy="252249"/>
+            <a:off x="2984169" y="4374482"/>
+            <a:ext cx="2613743" cy="252249"/>
           </a:xfrm>
           <a:prstGeom prst="rect">
             <a:avLst/>
@@ -8948,7 +8949,7 @@
         </p:nvSpPr>
         <p:spPr>
           <a:xfrm>
-            <a:off x="1534510" y="2870547"/>
+            <a:off x="2984169" y="2469104"/>
             <a:ext cx="1860332" cy="252249"/>
           </a:xfrm>
           <a:prstGeom prst="rect">
@@ -14163,6 +14164,171 @@
       </p:grpSpPr>
       <p:sp>
         <p:nvSpPr>
+          <p:cNvPr id="2" name="Title 1">
+            <a:extLst>
+              <a:ext uri="{FF2B5EF4-FFF2-40B4-BE49-F238E27FC236}">
+                <a16:creationId xmlns:a16="http://schemas.microsoft.com/office/drawing/2014/main" id="{9D28E884-3FC4-0142-B9DD-713403B5E3B5}"/>
+              </a:ext>
+            </a:extLst>
+          </p:cNvPr>
+          <p:cNvSpPr>
+            <a:spLocks noGrp="1"/>
+          </p:cNvSpPr>
+          <p:nvPr>
+            <p:ph type="title"/>
+          </p:nvPr>
+        </p:nvSpPr>
+        <p:spPr/>
+        <p:txBody>
+          <a:bodyPr>
+            <a:normAutofit/>
+          </a:bodyPr>
+          <a:lstStyle/>
+          <a:p>
+            <a:r>
+              <a:rPr lang="en-ID" dirty="0"/>
+              <a:t>Huawei's Full-Stack, All-Scenario AI Portfolio </a:t>
+            </a:r>
+            <a:endParaRPr lang="en-US" dirty="0"/>
+          </a:p>
+        </p:txBody>
+      </p:sp>
+      <p:sp>
+        <p:nvSpPr>
+          <p:cNvPr id="3" name="Content Placeholder 2">
+            <a:extLst>
+              <a:ext uri="{FF2B5EF4-FFF2-40B4-BE49-F238E27FC236}">
+                <a16:creationId xmlns:a16="http://schemas.microsoft.com/office/drawing/2014/main" id="{2380E5B7-EAF1-9D43-9EAF-7E39818695F4}"/>
+              </a:ext>
+            </a:extLst>
+          </p:cNvPr>
+          <p:cNvSpPr>
+            <a:spLocks noGrp="1"/>
+          </p:cNvSpPr>
+          <p:nvPr>
+            <p:ph idx="1"/>
+          </p:nvPr>
+        </p:nvSpPr>
+        <p:spPr>
+          <a:xfrm>
+            <a:off x="2589212" y="2133600"/>
+            <a:ext cx="5305851" cy="3777622"/>
+          </a:xfrm>
+        </p:spPr>
+        <p:txBody>
+          <a:bodyPr>
+            <a:normAutofit fontScale="92500" lnSpcReduction="20000"/>
+          </a:bodyPr>
+          <a:lstStyle/>
+          <a:p>
+            <a:r>
+              <a:rPr lang="en-ID" dirty="0"/>
+              <a:t>Application enablement: provides end-to- end services (</a:t>
+            </a:r>
+            <a:r>
+              <a:rPr lang="en-ID" dirty="0" err="1"/>
+              <a:t>ModelArts</a:t>
+            </a:r>
+            <a:r>
+              <a:rPr lang="en-ID" dirty="0"/>
+              <a:t>), layered APIs, and pre-integrated solutions. </a:t>
+            </a:r>
+          </a:p>
+          <a:p>
+            <a:r>
+              <a:rPr lang="en-ID" dirty="0" err="1"/>
+              <a:t>MindSpore</a:t>
+            </a:r>
+            <a:r>
+              <a:rPr lang="en-ID" dirty="0"/>
+              <a:t>: supports the unified training and inference framework that is independent of the device, edge, and cloud. </a:t>
+            </a:r>
+          </a:p>
+          <a:p>
+            <a:r>
+              <a:rPr lang="en-ID" dirty="0"/>
+              <a:t>CANN: a chip operator library and highly automated operator development tool. </a:t>
+            </a:r>
+          </a:p>
+          <a:p>
+            <a:r>
+              <a:rPr lang="en-ID" dirty="0"/>
+              <a:t>Ascend: provides a series of NPU IPs and chips based on a unified, scalable architecture. </a:t>
+            </a:r>
+          </a:p>
+          <a:p>
+            <a:r>
+              <a:rPr lang="en-ID" dirty="0"/>
+              <a:t>Atlas: enables an all-scenario AI infrastructure solution that is oriented to the device, edge, and cloud based on the Ascend series AI processors and various product forms. </a:t>
+            </a:r>
+          </a:p>
+          <a:p>
+            <a:endParaRPr lang="en-US" dirty="0"/>
+          </a:p>
+        </p:txBody>
+      </p:sp>
+      <p:pic>
+        <p:nvPicPr>
+          <p:cNvPr id="4" name="Picture 3">
+            <a:extLst>
+              <a:ext uri="{FF2B5EF4-FFF2-40B4-BE49-F238E27FC236}">
+                <a16:creationId xmlns:a16="http://schemas.microsoft.com/office/drawing/2014/main" id="{9D1B999F-326D-E64E-A8C0-11C75C873AB4}"/>
+              </a:ext>
+            </a:extLst>
+          </p:cNvPr>
+          <p:cNvPicPr>
+            <a:picLocks noChangeAspect="1"/>
+          </p:cNvPicPr>
+          <p:nvPr/>
+        </p:nvPicPr>
+        <p:blipFill>
+          <a:blip r:embed="rId2"/>
+          <a:stretch>
+            <a:fillRect/>
+          </a:stretch>
+        </p:blipFill>
+        <p:spPr>
+          <a:xfrm>
+            <a:off x="8043408" y="2499733"/>
+            <a:ext cx="3568390" cy="2453268"/>
+          </a:xfrm>
+          <a:prstGeom prst="rect">
+            <a:avLst/>
+          </a:prstGeom>
+        </p:spPr>
+      </p:pic>
+    </p:spTree>
+    <p:extLst>
+      <p:ext uri="{BB962C8B-B14F-4D97-AF65-F5344CB8AC3E}">
+        <p14:creationId xmlns:p14="http://schemas.microsoft.com/office/powerpoint/2010/main" val="1941208624"/>
+      </p:ext>
+    </p:extLst>
+  </p:cSld>
+  <p:clrMapOvr>
+    <a:masterClrMapping/>
+  </p:clrMapOvr>
+</p:sld>
+</file>
+
+<file path=ppt/slides/slide18.xml><?xml version="1.0" encoding="utf-8"?>
+<p:sld xmlns:a="http://schemas.openxmlformats.org/drawingml/2006/main" xmlns:r="http://schemas.openxmlformats.org/officeDocument/2006/relationships" xmlns:p="http://schemas.openxmlformats.org/presentationml/2006/main">
+  <p:cSld>
+    <p:spTree>
+      <p:nvGrpSpPr>
+        <p:cNvPr id="1" name=""/>
+        <p:cNvGrpSpPr/>
+        <p:nvPr/>
+      </p:nvGrpSpPr>
+      <p:grpSpPr>
+        <a:xfrm>
+          <a:off x="0" y="0"/>
+          <a:ext cx="0" cy="0"/>
+          <a:chOff x="0" y="0"/>
+          <a:chExt cx="0" cy="0"/>
+        </a:xfrm>
+      </p:grpSpPr>
+      <p:sp>
+        <p:nvSpPr>
           <p:cNvPr id="2" name="Title 1"/>
           <p:cNvSpPr>
             <a:spLocks noGrp="1"/>
@@ -14329,7 +14495,7 @@
           <a:p>
             <a:fld id="{5A209D72-2E9D-49B0-8977-41DCCC66C0BB}" type="slidenum">
               <a:rPr lang="nl-BE" smtClean="0"/>
-              <a:t>17</a:t>
+              <a:t>18</a:t>
             </a:fld>
             <a:endParaRPr lang="nl-BE"/>
           </a:p>
@@ -14952,7 +15118,7 @@
 </p:sld>
 </file>
 
-<file path=ppt/slides/slide18.xml><?xml version="1.0" encoding="utf-8"?>
+<file path=ppt/slides/slide19.xml><?xml version="1.0" encoding="utf-8"?>
 <p:sld xmlns:a="http://schemas.openxmlformats.org/drawingml/2006/main" xmlns:r="http://schemas.openxmlformats.org/officeDocument/2006/relationships" xmlns:p="http://schemas.openxmlformats.org/presentationml/2006/main">
   <p:cSld>
     <p:spTree>
@@ -15009,7 +15175,7 @@
           <a:p>
             <a:fld id="{A2912448-FEEC-49E8-9588-2DF1F90D57C2}" type="slidenum">
               <a:rPr lang="en-US" smtClean="0"/>
-              <a:t>18</a:t>
+              <a:t>19</a:t>
             </a:fld>
             <a:endParaRPr lang="en-US"/>
           </a:p>
@@ -17582,7 +17748,193 @@
 </p:sld>
 </file>
 
-<file path=ppt/slides/slide19.xml><?xml version="1.0" encoding="utf-8"?>
+<file path=ppt/slides/slide2.xml><?xml version="1.0" encoding="utf-8"?>
+<p:sld xmlns:a="http://schemas.openxmlformats.org/drawingml/2006/main" xmlns:r="http://schemas.openxmlformats.org/officeDocument/2006/relationships" xmlns:p="http://schemas.openxmlformats.org/presentationml/2006/main">
+  <p:cSld>
+    <p:spTree>
+      <p:nvGrpSpPr>
+        <p:cNvPr id="1" name=""/>
+        <p:cNvGrpSpPr/>
+        <p:nvPr/>
+      </p:nvGrpSpPr>
+      <p:grpSpPr>
+        <a:xfrm>
+          <a:off x="0" y="0"/>
+          <a:ext cx="0" cy="0"/>
+          <a:chOff x="0" y="0"/>
+          <a:chExt cx="0" cy="0"/>
+        </a:xfrm>
+      </p:grpSpPr>
+      <p:sp>
+        <p:nvSpPr>
+          <p:cNvPr id="2" name="Title 1"/>
+          <p:cNvSpPr>
+            <a:spLocks noGrp="1"/>
+          </p:cNvSpPr>
+          <p:nvPr>
+            <p:ph type="title"/>
+          </p:nvPr>
+        </p:nvSpPr>
+        <p:spPr/>
+        <p:txBody>
+          <a:bodyPr/>
+          <a:lstStyle/>
+          <a:p>
+            <a:r>
+              <a:rPr lang="en-BE" dirty="0"/>
+              <a:t>Material</a:t>
+            </a:r>
+            <a:endParaRPr lang="en-US" dirty="0"/>
+          </a:p>
+        </p:txBody>
+      </p:sp>
+      <p:sp>
+        <p:nvSpPr>
+          <p:cNvPr id="3" name="Content Placeholder 2"/>
+          <p:cNvSpPr>
+            <a:spLocks noGrp="1"/>
+          </p:cNvSpPr>
+          <p:nvPr>
+            <p:ph idx="1"/>
+          </p:nvPr>
+        </p:nvSpPr>
+        <p:spPr/>
+        <p:txBody>
+          <a:bodyPr/>
+          <a:lstStyle/>
+          <a:p>
+            <a:r>
+              <a:rPr lang="en-BE" dirty="0"/>
+              <a:t>All material available on GitHub</a:t>
+            </a:r>
+          </a:p>
+          <a:p>
+            <a:pPr lvl="1"/>
+            <a:r>
+              <a:rPr lang="en-BE" dirty="0"/>
+              <a:t>this presentation</a:t>
+            </a:r>
+          </a:p>
+          <a:p>
+            <a:pPr lvl="1"/>
+            <a:r>
+              <a:rPr lang="en-BE" dirty="0"/>
+              <a:t>conda environments</a:t>
+            </a:r>
+          </a:p>
+          <a:p>
+            <a:pPr lvl="1"/>
+            <a:r>
+              <a:rPr lang="en-BE" dirty="0"/>
+              <a:t>Jupyter notebooks</a:t>
+            </a:r>
+          </a:p>
+        </p:txBody>
+      </p:sp>
+      <p:sp>
+        <p:nvSpPr>
+          <p:cNvPr id="5" name="TextBox 4"/>
+          <p:cNvSpPr txBox="1"/>
+          <p:nvPr/>
+        </p:nvSpPr>
+        <p:spPr>
+          <a:xfrm>
+            <a:off x="1121726" y="4001294"/>
+            <a:ext cx="9948556" cy="646331"/>
+          </a:xfrm>
+          <a:prstGeom prst="rect">
+            <a:avLst/>
+          </a:prstGeom>
+          <a:noFill/>
+        </p:spPr>
+        <p:txBody>
+          <a:bodyPr wrap="none" rtlCol="0">
+            <a:spAutoFit/>
+          </a:bodyPr>
+          <a:lstStyle/>
+          <a:p>
+            <a:pPr algn="ctr"/>
+            <a:r>
+              <a:rPr lang="en-US" sz="3600" u="sng" dirty="0">
+                <a:solidFill>
+                  <a:schemeClr val="accent2"/>
+                </a:solidFill>
+                <a:hlinkClick r:id="rId3">
+                  <a:extLst>
+                    <a:ext uri="{A12FA001-AC4F-418D-AE19-62706E023703}">
+                      <ahyp:hlinkClr xmlns:ahyp="http://schemas.microsoft.com/office/drawing/2018/hyperlinkcolor" val="tx"/>
+                    </a:ext>
+                  </a:extLst>
+                </a:hlinkClick>
+              </a:rPr>
+              <a:t>https://github.com/piroxi/</a:t>
+            </a:r>
+            <a:r>
+              <a:rPr lang="en-US" sz="3600" u="sng" dirty="0">
+                <a:solidFill>
+                  <a:schemeClr val="accent2"/>
+                </a:solidFill>
+              </a:rPr>
+              <a:t>machine-learning</a:t>
+            </a:r>
+          </a:p>
+        </p:txBody>
+      </p:sp>
+      <p:pic>
+        <p:nvPicPr>
+          <p:cNvPr id="1030" name="Picture 6" descr="GitHub Logomark"/>
+          <p:cNvPicPr>
+            <a:picLocks noChangeAspect="1" noChangeArrowheads="1"/>
+          </p:cNvPicPr>
+          <p:nvPr/>
+        </p:nvPicPr>
+        <p:blipFill>
+          <a:blip r:embed="rId4" cstate="print">
+            <a:extLst>
+              <a:ext uri="{28A0092B-C50C-407E-A947-70E740481C1C}">
+                <a14:useLocalDpi xmlns:a14="http://schemas.microsoft.com/office/drawing/2010/main" val="0"/>
+              </a:ext>
+            </a:extLst>
+          </a:blip>
+          <a:srcRect/>
+          <a:stretch>
+            <a:fillRect/>
+          </a:stretch>
+        </p:blipFill>
+        <p:spPr bwMode="auto">
+          <a:xfrm>
+            <a:off x="7916091" y="1364799"/>
+            <a:ext cx="2215152" cy="2215152"/>
+          </a:xfrm>
+          <a:prstGeom prst="rect">
+            <a:avLst/>
+          </a:prstGeom>
+          <a:noFill/>
+          <a:extLst>
+            <a:ext uri="{909E8E84-426E-40DD-AFC4-6F175D3DCCD1}">
+              <a14:hiddenFill xmlns:a14="http://schemas.microsoft.com/office/drawing/2010/main">
+                <a:solidFill>
+                  <a:srgbClr val="FFFFFF"/>
+                </a:solidFill>
+              </a14:hiddenFill>
+            </a:ext>
+          </a:extLst>
+        </p:spPr>
+      </p:pic>
+    </p:spTree>
+    <p:extLst>
+      <p:ext uri="{BB962C8B-B14F-4D97-AF65-F5344CB8AC3E}">
+        <p14:creationId xmlns:p14="http://schemas.microsoft.com/office/powerpoint/2010/main" val="1566798997"/>
+      </p:ext>
+    </p:extLst>
+  </p:cSld>
+  <p:clrMapOvr>
+    <a:masterClrMapping/>
+  </p:clrMapOvr>
+</p:sld>
+</file>
+
+<file path=ppt/slides/slide20.xml><?xml version="1.0" encoding="utf-8"?>
 <p:sld xmlns:a="http://schemas.openxmlformats.org/drawingml/2006/main" xmlns:r="http://schemas.openxmlformats.org/officeDocument/2006/relationships" xmlns:p="http://schemas.openxmlformats.org/presentationml/2006/main">
   <p:cSld>
     <p:spTree>
@@ -17639,7 +17991,7 @@
           <a:p>
             <a:fld id="{A2912448-FEEC-49E8-9588-2DF1F90D57C2}" type="slidenum">
               <a:rPr lang="en-US" smtClean="0"/>
-              <a:t>19</a:t>
+              <a:t>20</a:t>
             </a:fld>
             <a:endParaRPr lang="en-US"/>
           </a:p>
@@ -17830,7 +18182,7 @@
 </p:sld>
 </file>
 
-<file path=ppt/slides/slide2.xml><?xml version="1.0" encoding="utf-8"?>
+<file path=ppt/slides/slide21.xml><?xml version="1.0" encoding="utf-8"?>
 <p:sld xmlns:a="http://schemas.openxmlformats.org/drawingml/2006/main" xmlns:r="http://schemas.openxmlformats.org/officeDocument/2006/relationships" xmlns:p="http://schemas.openxmlformats.org/presentationml/2006/main">
   <p:cSld>
     <p:spTree>
@@ -17864,192 +18216,6 @@
           <a:p>
             <a:r>
               <a:rPr lang="en-BE" dirty="0"/>
-              <a:t>Material</a:t>
-            </a:r>
-            <a:endParaRPr lang="en-US" dirty="0"/>
-          </a:p>
-        </p:txBody>
-      </p:sp>
-      <p:sp>
-        <p:nvSpPr>
-          <p:cNvPr id="3" name="Content Placeholder 2"/>
-          <p:cNvSpPr>
-            <a:spLocks noGrp="1"/>
-          </p:cNvSpPr>
-          <p:nvPr>
-            <p:ph idx="1"/>
-          </p:nvPr>
-        </p:nvSpPr>
-        <p:spPr/>
-        <p:txBody>
-          <a:bodyPr/>
-          <a:lstStyle/>
-          <a:p>
-            <a:r>
-              <a:rPr lang="en-BE" dirty="0"/>
-              <a:t>All material available on GitHub</a:t>
-            </a:r>
-          </a:p>
-          <a:p>
-            <a:pPr lvl="1"/>
-            <a:r>
-              <a:rPr lang="en-BE" dirty="0"/>
-              <a:t>this presentation</a:t>
-            </a:r>
-          </a:p>
-          <a:p>
-            <a:pPr lvl="1"/>
-            <a:r>
-              <a:rPr lang="en-BE" dirty="0"/>
-              <a:t>conda environments</a:t>
-            </a:r>
-          </a:p>
-          <a:p>
-            <a:pPr lvl="1"/>
-            <a:r>
-              <a:rPr lang="en-BE" dirty="0"/>
-              <a:t>Jupyter notebooks</a:t>
-            </a:r>
-          </a:p>
-        </p:txBody>
-      </p:sp>
-      <p:sp>
-        <p:nvSpPr>
-          <p:cNvPr id="5" name="TextBox 4"/>
-          <p:cNvSpPr txBox="1"/>
-          <p:nvPr/>
-        </p:nvSpPr>
-        <p:spPr>
-          <a:xfrm>
-            <a:off x="1121726" y="4001294"/>
-            <a:ext cx="9948556" cy="646331"/>
-          </a:xfrm>
-          <a:prstGeom prst="rect">
-            <a:avLst/>
-          </a:prstGeom>
-          <a:noFill/>
-        </p:spPr>
-        <p:txBody>
-          <a:bodyPr wrap="none" rtlCol="0">
-            <a:spAutoFit/>
-          </a:bodyPr>
-          <a:lstStyle/>
-          <a:p>
-            <a:pPr algn="ctr"/>
-            <a:r>
-              <a:rPr lang="en-US" sz="3600" u="sng" dirty="0">
-                <a:solidFill>
-                  <a:schemeClr val="accent2"/>
-                </a:solidFill>
-                <a:hlinkClick r:id="rId3">
-                  <a:extLst>
-                    <a:ext uri="{A12FA001-AC4F-418D-AE19-62706E023703}">
-                      <ahyp:hlinkClr xmlns:ahyp="http://schemas.microsoft.com/office/drawing/2018/hyperlinkcolor" val="tx"/>
-                    </a:ext>
-                  </a:extLst>
-                </a:hlinkClick>
-              </a:rPr>
-              <a:t>https://github.com/piroxi/</a:t>
-            </a:r>
-            <a:r>
-              <a:rPr lang="en-US" sz="3600" u="sng" dirty="0">
-                <a:solidFill>
-                  <a:schemeClr val="accent2"/>
-                </a:solidFill>
-              </a:rPr>
-              <a:t>machine-learning</a:t>
-            </a:r>
-          </a:p>
-        </p:txBody>
-      </p:sp>
-      <p:pic>
-        <p:nvPicPr>
-          <p:cNvPr id="1030" name="Picture 6" descr="GitHub Logomark"/>
-          <p:cNvPicPr>
-            <a:picLocks noChangeAspect="1" noChangeArrowheads="1"/>
-          </p:cNvPicPr>
-          <p:nvPr/>
-        </p:nvPicPr>
-        <p:blipFill>
-          <a:blip r:embed="rId4" cstate="print">
-            <a:extLst>
-              <a:ext uri="{28A0092B-C50C-407E-A947-70E740481C1C}">
-                <a14:useLocalDpi xmlns:a14="http://schemas.microsoft.com/office/drawing/2010/main" val="0"/>
-              </a:ext>
-            </a:extLst>
-          </a:blip>
-          <a:srcRect/>
-          <a:stretch>
-            <a:fillRect/>
-          </a:stretch>
-        </p:blipFill>
-        <p:spPr bwMode="auto">
-          <a:xfrm>
-            <a:off x="7916091" y="1364799"/>
-            <a:ext cx="2215152" cy="2215152"/>
-          </a:xfrm>
-          <a:prstGeom prst="rect">
-            <a:avLst/>
-          </a:prstGeom>
-          <a:noFill/>
-          <a:extLst>
-            <a:ext uri="{909E8E84-426E-40DD-AFC4-6F175D3DCCD1}">
-              <a14:hiddenFill xmlns:a14="http://schemas.microsoft.com/office/drawing/2010/main">
-                <a:solidFill>
-                  <a:srgbClr val="FFFFFF"/>
-                </a:solidFill>
-              </a14:hiddenFill>
-            </a:ext>
-          </a:extLst>
-        </p:spPr>
-      </p:pic>
-    </p:spTree>
-    <p:extLst>
-      <p:ext uri="{BB962C8B-B14F-4D97-AF65-F5344CB8AC3E}">
-        <p14:creationId xmlns:p14="http://schemas.microsoft.com/office/powerpoint/2010/main" val="1566798997"/>
-      </p:ext>
-    </p:extLst>
-  </p:cSld>
-  <p:clrMapOvr>
-    <a:masterClrMapping/>
-  </p:clrMapOvr>
-</p:sld>
-</file>
-
-<file path=ppt/slides/slide20.xml><?xml version="1.0" encoding="utf-8"?>
-<p:sld xmlns:a="http://schemas.openxmlformats.org/drawingml/2006/main" xmlns:r="http://schemas.openxmlformats.org/officeDocument/2006/relationships" xmlns:p="http://schemas.openxmlformats.org/presentationml/2006/main">
-  <p:cSld>
-    <p:spTree>
-      <p:nvGrpSpPr>
-        <p:cNvPr id="1" name=""/>
-        <p:cNvGrpSpPr/>
-        <p:nvPr/>
-      </p:nvGrpSpPr>
-      <p:grpSpPr>
-        <a:xfrm>
-          <a:off x="0" y="0"/>
-          <a:ext cx="0" cy="0"/>
-          <a:chOff x="0" y="0"/>
-          <a:chExt cx="0" cy="0"/>
-        </a:xfrm>
-      </p:grpSpPr>
-      <p:sp>
-        <p:nvSpPr>
-          <p:cNvPr id="2" name="Title 1"/>
-          <p:cNvSpPr>
-            <a:spLocks noGrp="1"/>
-          </p:cNvSpPr>
-          <p:nvPr>
-            <p:ph type="title"/>
-          </p:nvPr>
-        </p:nvSpPr>
-        <p:spPr/>
-        <p:txBody>
-          <a:bodyPr/>
-          <a:lstStyle/>
-          <a:p>
-            <a:r>
-              <a:rPr lang="en-BE" dirty="0"/>
               <a:t>Training: backpropagation</a:t>
             </a:r>
             <a:endParaRPr lang="en-US" dirty="0"/>
@@ -18152,7 +18318,7 @@
           <a:p>
             <a:fld id="{5A209D72-2E9D-49B0-8977-41DCCC66C0BB}" type="slidenum">
               <a:rPr lang="nl-BE" smtClean="0"/>
-              <a:t>20</a:t>
+              <a:t>21</a:t>
             </a:fld>
             <a:endParaRPr lang="nl-BE"/>
           </a:p>
@@ -18582,7 +18748,7 @@
 </p:sld>
 </file>
 
-<file path=ppt/slides/slide21.xml><?xml version="1.0" encoding="utf-8"?>
+<file path=ppt/slides/slide22.xml><?xml version="1.0" encoding="utf-8"?>
 <p:sld xmlns:a="http://schemas.openxmlformats.org/drawingml/2006/main" xmlns:r="http://schemas.openxmlformats.org/officeDocument/2006/relationships" xmlns:p="http://schemas.openxmlformats.org/presentationml/2006/main">
   <p:cSld>
     <p:spTree>
@@ -18696,7 +18862,7 @@
           <a:p>
             <a:fld id="{5A209D72-2E9D-49B0-8977-41DCCC66C0BB}" type="slidenum">
               <a:rPr lang="nl-BE" smtClean="0"/>
-              <a:t>21</a:t>
+              <a:t>22</a:t>
             </a:fld>
             <a:endParaRPr lang="nl-BE"/>
           </a:p>
@@ -18790,7 +18956,7 @@
 </p:sld>
 </file>
 
-<file path=ppt/slides/slide22.xml><?xml version="1.0" encoding="utf-8"?>
+<file path=ppt/slides/slide23.xml><?xml version="1.0" encoding="utf-8"?>
 <p:sld xmlns:a="http://schemas.openxmlformats.org/drawingml/2006/main" xmlns:r="http://schemas.openxmlformats.org/officeDocument/2006/relationships" xmlns:p="http://schemas.openxmlformats.org/presentationml/2006/main">
   <p:cSld>
     <p:spTree>
@@ -19002,7 +19168,7 @@
           <a:p>
             <a:fld id="{CF5A1C33-475D-474A-A037-DDAF3DC7AF09}" type="slidenum">
               <a:rPr lang="en-US" smtClean="0"/>
-              <a:t>22</a:t>
+              <a:t>23</a:t>
             </a:fld>
             <a:endParaRPr lang="en-US"/>
           </a:p>
@@ -20085,7 +20251,7 @@
 </p:sld>
 </file>
 
-<file path=ppt/slides/slide23.xml><?xml version="1.0" encoding="utf-8"?>
+<file path=ppt/slides/slide24.xml><?xml version="1.0" encoding="utf-8"?>
 <p:sld xmlns:a="http://schemas.openxmlformats.org/drawingml/2006/main" xmlns:r="http://schemas.openxmlformats.org/officeDocument/2006/relationships" xmlns:p="http://schemas.openxmlformats.org/presentationml/2006/main">
   <p:cSld>
     <p:spTree>
@@ -20233,7 +20399,7 @@
           <a:p>
             <a:fld id="{5A209D72-2E9D-49B0-8977-41DCCC66C0BB}" type="slidenum">
               <a:rPr lang="nl-BE" smtClean="0"/>
-              <a:t>23</a:t>
+              <a:t>24</a:t>
             </a:fld>
             <a:endParaRPr lang="nl-BE"/>
           </a:p>
@@ -20694,7 +20860,7 @@
 </p:sld>
 </file>
 
-<file path=ppt/slides/slide24.xml><?xml version="1.0" encoding="utf-8"?>
+<file path=ppt/slides/slide25.xml><?xml version="1.0" encoding="utf-8"?>
 <p:sld xmlns:a="http://schemas.openxmlformats.org/drawingml/2006/main" xmlns:r="http://schemas.openxmlformats.org/officeDocument/2006/relationships" xmlns:p="http://schemas.openxmlformats.org/presentationml/2006/main">
   <p:cSld>
     <p:spTree>
@@ -20751,7 +20917,7 @@
           <a:p>
             <a:fld id="{5A209D72-2E9D-49B0-8977-41DCCC66C0BB}" type="slidenum">
               <a:rPr lang="nl-BE" smtClean="0"/>
-              <a:t>24</a:t>
+              <a:t>25</a:t>
             </a:fld>
             <a:endParaRPr lang="nl-BE"/>
           </a:p>
@@ -21245,7 +21411,7 @@
 </p:sld>
 </file>
 
-<file path=ppt/slides/slide25.xml><?xml version="1.0" encoding="utf-8"?>
+<file path=ppt/slides/slide26.xml><?xml version="1.0" encoding="utf-8"?>
 <p:sld xmlns:a="http://schemas.openxmlformats.org/drawingml/2006/main" xmlns:r="http://schemas.openxmlformats.org/officeDocument/2006/relationships" xmlns:p="http://schemas.openxmlformats.org/presentationml/2006/main">
   <p:cSld>
     <p:spTree>
@@ -21302,7 +21468,7 @@
           <a:p>
             <a:fld id="{A2912448-FEEC-49E8-9588-2DF1F90D57C2}" type="slidenum">
               <a:rPr lang="en-US" smtClean="0"/>
-              <a:t>25</a:t>
+              <a:t>26</a:t>
             </a:fld>
             <a:endParaRPr lang="en-US"/>
           </a:p>
@@ -23429,7 +23595,7 @@
 </p:sld>
 </file>
 
-<file path=ppt/slides/slide26.xml><?xml version="1.0" encoding="utf-8"?>
+<file path=ppt/slides/slide27.xml><?xml version="1.0" encoding="utf-8"?>
 <p:sld xmlns:a="http://schemas.openxmlformats.org/drawingml/2006/main" xmlns:r="http://schemas.openxmlformats.org/officeDocument/2006/relationships" xmlns:p="http://schemas.openxmlformats.org/presentationml/2006/main">
   <p:cSld>
     <p:spTree>
@@ -23651,7 +23817,7 @@
           <a:p>
             <a:fld id="{CF5A1C33-475D-474A-A037-DDAF3DC7AF09}" type="slidenum">
               <a:rPr lang="en-US" smtClean="0"/>
-              <a:t>26</a:t>
+              <a:t>27</a:t>
             </a:fld>
             <a:endParaRPr lang="en-US"/>
           </a:p>
@@ -24627,7 +24793,7 @@
 </p:sld>
 </file>
 
-<file path=ppt/slides/slide27.xml><?xml version="1.0" encoding="utf-8"?>
+<file path=ppt/slides/slide28.xml><?xml version="1.0" encoding="utf-8"?>
 <p:sld xmlns:a="http://schemas.openxmlformats.org/drawingml/2006/main" xmlns:r="http://schemas.openxmlformats.org/officeDocument/2006/relationships" xmlns:p="http://schemas.openxmlformats.org/presentationml/2006/main">
   <p:cSld>
     <p:spTree>
@@ -24743,7 +24909,7 @@
           <a:p>
             <a:fld id="{5A209D72-2E9D-49B0-8977-41DCCC66C0BB}" type="slidenum">
               <a:rPr lang="nl-BE" smtClean="0"/>
-              <a:t>27</a:t>
+              <a:t>28</a:t>
             </a:fld>
             <a:endParaRPr lang="nl-BE"/>
           </a:p>
@@ -24989,16 +25155,10 @@
           </a:p>
           <a:p>
             <a:r>
-              <a:rPr lang="en-GB" dirty="0" err="1">
-                <a:latin typeface="Inconsolata" panose="00000509000000000000" pitchFamily="49" charset="0"/>
-              </a:rPr>
-              <a:t>redford's</a:t>
-            </a:r>
-            <a:r>
               <a:rPr lang="en-GB" dirty="0">
                 <a:latin typeface="Inconsolata" panose="00000509000000000000" pitchFamily="49" charset="0"/>
               </a:rPr>
-              <a:t> is an amazing actor and now the same being director</a:t>
+              <a:t>Redford's is an amazing actor and now the same being director</a:t>
             </a:r>
             <a:endParaRPr lang="en-BE" dirty="0">
               <a:latin typeface="Inconsolata" panose="00000509000000000000" pitchFamily="49" charset="0"/>
@@ -25006,51 +25166,21 @@
           </a:p>
           <a:p>
             <a:r>
-              <a:rPr lang="en-GB" dirty="0" err="1">
-                <a:latin typeface="Inconsolata" panose="00000509000000000000" pitchFamily="49" charset="0"/>
-              </a:rPr>
-              <a:t>norman's</a:t>
-            </a:r>
-            <a:r>
               <a:rPr lang="en-GB" dirty="0">
                 <a:latin typeface="Inconsolata" panose="00000509000000000000" pitchFamily="49" charset="0"/>
               </a:rPr>
-              <a:t> father came from the same </a:t>
-            </a:r>
-            <a:r>
-              <a:rPr lang="en-GB" dirty="0" err="1">
-                <a:latin typeface="Inconsolata" panose="00000509000000000000" pitchFamily="49" charset="0"/>
-              </a:rPr>
-              <a:t>scottish</a:t>
-            </a:r>
+              <a:t>Norman's father came from the same Scottish island as myself</a:t>
+            </a:r>
+            <a:endParaRPr lang="en-BE" dirty="0">
+              <a:latin typeface="Inconsolata" panose="00000509000000000000" pitchFamily="49" charset="0"/>
+            </a:endParaRPr>
+          </a:p>
+          <a:p>
             <a:r>
               <a:rPr lang="en-GB" dirty="0">
                 <a:latin typeface="Inconsolata" panose="00000509000000000000" pitchFamily="49" charset="0"/>
               </a:rPr>
-              <a:t> island as myself</a:t>
-            </a:r>
-            <a:endParaRPr lang="en-BE" dirty="0">
-              <a:latin typeface="Inconsolata" panose="00000509000000000000" pitchFamily="49" charset="0"/>
-            </a:endParaRPr>
-          </a:p>
-          <a:p>
-            <a:r>
-              <a:rPr lang="en-GB" dirty="0">
-                <a:latin typeface="Inconsolata" panose="00000509000000000000" pitchFamily="49" charset="0"/>
-              </a:rPr>
-              <a:t>so </a:t>
-            </a:r>
-            <a:r>
-              <a:rPr lang="en-GB" dirty="0" err="1">
-                <a:latin typeface="Inconsolata" panose="00000509000000000000" pitchFamily="49" charset="0"/>
-              </a:rPr>
-              <a:t>i</a:t>
-            </a:r>
-            <a:r>
-              <a:rPr lang="en-GB" dirty="0">
-                <a:latin typeface="Inconsolata" panose="00000509000000000000" pitchFamily="49" charset="0"/>
-              </a:rPr>
-              <a:t> loved the fact there was a real connection with this</a:t>
+              <a:t>so I loved the fact there was a real connection with this</a:t>
             </a:r>
             <a:endParaRPr lang="en-BE" dirty="0">
               <a:latin typeface="Inconsolata" panose="00000509000000000000" pitchFamily="49" charset="0"/>
@@ -25072,19 +25202,7 @@
               <a:rPr lang="en-GB" dirty="0">
                 <a:latin typeface="Inconsolata" panose="00000509000000000000" pitchFamily="49" charset="0"/>
               </a:rPr>
-              <a:t>just brilliant so much that </a:t>
-            </a:r>
-            <a:r>
-              <a:rPr lang="en-GB" dirty="0" err="1">
-                <a:latin typeface="Inconsolata" panose="00000509000000000000" pitchFamily="49" charset="0"/>
-              </a:rPr>
-              <a:t>i</a:t>
-            </a:r>
-            <a:r>
-              <a:rPr lang="en-GB" dirty="0">
-                <a:latin typeface="Inconsolata" panose="00000509000000000000" pitchFamily="49" charset="0"/>
-              </a:rPr>
-              <a:t> bought the film as soon as it</a:t>
+              <a:t>just brilliant so much that I bought the film as soon as it</a:t>
             </a:r>
             <a:endParaRPr lang="en-BE" dirty="0">
               <a:latin typeface="Inconsolata" panose="00000509000000000000" pitchFamily="49" charset="0"/>
@@ -25453,7 +25571,7 @@
 </p:sld>
 </file>
 
-<file path=ppt/slides/slide28.xml><?xml version="1.0" encoding="utf-8"?>
+<file path=ppt/slides/slide29.xml><?xml version="1.0" encoding="utf-8"?>
 <p:sld xmlns:a="http://schemas.openxmlformats.org/drawingml/2006/main" xmlns:r="http://schemas.openxmlformats.org/officeDocument/2006/relationships" xmlns:p="http://schemas.openxmlformats.org/presentationml/2006/main">
   <p:cSld>
     <p:spTree>
@@ -25701,7 +25819,7 @@
           <a:p>
             <a:fld id="{CF5A1C33-475D-474A-A037-DDAF3DC7AF09}" type="slidenum">
               <a:rPr lang="en-US" smtClean="0"/>
-              <a:t>28</a:t>
+              <a:t>29</a:t>
             </a:fld>
             <a:endParaRPr lang="en-US"/>
           </a:p>
@@ -26167,599 +26285,6 @@
 </p:sld>
 </file>
 
-<file path=ppt/slides/slide29.xml><?xml version="1.0" encoding="utf-8"?>
-<p:sld xmlns:a="http://schemas.openxmlformats.org/drawingml/2006/main" xmlns:r="http://schemas.openxmlformats.org/officeDocument/2006/relationships" xmlns:p="http://schemas.openxmlformats.org/presentationml/2006/main">
-  <p:cSld>
-    <p:spTree>
-      <p:nvGrpSpPr>
-        <p:cNvPr id="1" name=""/>
-        <p:cNvGrpSpPr/>
-        <p:nvPr/>
-      </p:nvGrpSpPr>
-      <p:grpSpPr>
-        <a:xfrm>
-          <a:off x="0" y="0"/>
-          <a:ext cx="0" cy="0"/>
-          <a:chOff x="0" y="0"/>
-          <a:chExt cx="0" cy="0"/>
-        </a:xfrm>
-      </p:grpSpPr>
-      <p:sp>
-        <p:nvSpPr>
-          <p:cNvPr id="2" name="Title 1"/>
-          <p:cNvSpPr>
-            <a:spLocks noGrp="1"/>
-          </p:cNvSpPr>
-          <p:nvPr>
-            <p:ph type="title"/>
-          </p:nvPr>
-        </p:nvSpPr>
-        <p:spPr>
-          <a:xfrm>
-            <a:off x="2589212" y="653035"/>
-            <a:ext cx="4713631" cy="634618"/>
-          </a:xfrm>
-        </p:spPr>
-        <p:txBody>
-          <a:bodyPr>
-            <a:noAutofit/>
-          </a:bodyPr>
-          <a:lstStyle/>
-          <a:p>
-            <a:r>
-              <a:rPr lang="en-US" sz="3600" dirty="0"/>
-              <a:t>How to remember?</a:t>
-            </a:r>
-          </a:p>
-        </p:txBody>
-      </p:sp>
-      <p:pic>
-        <p:nvPicPr>
-          <p:cNvPr id="4098" name="Picture 2" descr="https://cdn-images-1.medium.com/max/800/1*7oE-4Wg6bZ7u8yDf5cjJPA.png"/>
-          <p:cNvPicPr>
-            <a:picLocks noGrp="1" noChangeAspect="1" noChangeArrowheads="1"/>
-          </p:cNvPicPr>
-          <p:nvPr>
-            <p:ph idx="1"/>
-          </p:nvPr>
-        </p:nvPicPr>
-        <p:blipFill>
-          <a:blip r:embed="rId2">
-            <a:extLst>
-              <a:ext uri="{28A0092B-C50C-407E-A947-70E740481C1C}">
-                <a14:useLocalDpi xmlns:a14="http://schemas.microsoft.com/office/drawing/2010/main" val="0"/>
-              </a:ext>
-            </a:extLst>
-          </a:blip>
-          <a:stretch>
-            <a:fillRect/>
-          </a:stretch>
-        </p:blipFill>
-        <p:spPr bwMode="auto">
-          <a:xfrm>
-            <a:off x="6323013" y="2256504"/>
-            <a:ext cx="5181600" cy="1794129"/>
-          </a:xfrm>
-          <a:prstGeom prst="rect">
-            <a:avLst/>
-          </a:prstGeom>
-          <a:noFill/>
-          <a:extLst>
-            <a:ext uri="{909E8E84-426E-40DD-AFC4-6F175D3DCCD1}">
-              <a14:hiddenFill xmlns:a14="http://schemas.microsoft.com/office/drawing/2010/main">
-                <a:solidFill>
-                  <a:srgbClr val="FFFFFF"/>
-                </a:solidFill>
-              </a14:hiddenFill>
-            </a:ext>
-          </a:extLst>
-        </p:spPr>
-      </p:pic>
-      <p:sp>
-        <p:nvSpPr>
-          <p:cNvPr id="4" name="Text Placeholder 3"/>
-          <p:cNvSpPr>
-            <a:spLocks noGrp="1"/>
-          </p:cNvSpPr>
-          <p:nvPr>
-            <p:ph type="body" sz="half" idx="2"/>
-          </p:nvPr>
-        </p:nvSpPr>
-        <p:spPr/>
-        <p:txBody>
-          <a:bodyPr>
-            <a:normAutofit/>
-          </a:bodyPr>
-          <a:lstStyle/>
-          <a:p>
-            <a:r>
-              <a:rPr lang="en-US" dirty="0"/>
-              <a:t>Manage history, network learns</a:t>
-            </a:r>
-          </a:p>
-          <a:p>
-            <a:pPr marL="285750" indent="-285750">
-              <a:buFont typeface="Arial" panose="020B0604020202020204" pitchFamily="34" charset="0"/>
-              <a:buChar char="•"/>
-            </a:pPr>
-            <a:r>
-              <a:rPr lang="en-US" dirty="0"/>
-              <a:t>what to remember</a:t>
-            </a:r>
-          </a:p>
-          <a:p>
-            <a:pPr marL="285750" indent="-285750">
-              <a:buFont typeface="Arial" panose="020B0604020202020204" pitchFamily="34" charset="0"/>
-              <a:buChar char="•"/>
-            </a:pPr>
-            <a:r>
-              <a:rPr lang="en-US" dirty="0"/>
-              <a:t>what to forget</a:t>
-            </a:r>
-          </a:p>
-          <a:p>
-            <a:pPr marL="285750" indent="-285750">
-              <a:buFont typeface="Arial" panose="020B0604020202020204" pitchFamily="34" charset="0"/>
-              <a:buChar char="•"/>
-            </a:pPr>
-            <a:endParaRPr lang="en-US" dirty="0"/>
-          </a:p>
-          <a:p>
-            <a:r>
-              <a:rPr lang="en-US" dirty="0"/>
-              <a:t>Long-term correlations!</a:t>
-            </a:r>
-          </a:p>
-          <a:p>
-            <a:endParaRPr lang="en-US" dirty="0"/>
-          </a:p>
-          <a:p>
-            <a:r>
-              <a:rPr lang="en-US" dirty="0"/>
-              <a:t>Use, e.g.,</a:t>
-            </a:r>
-          </a:p>
-          <a:p>
-            <a:pPr marL="285750" indent="-285750">
-              <a:buFont typeface="Arial" panose="020B0604020202020204" pitchFamily="34" charset="0"/>
-              <a:buChar char="•"/>
-            </a:pPr>
-            <a:r>
-              <a:rPr lang="en-US" dirty="0"/>
-              <a:t>LSTM (Long Short-Term Memory</a:t>
-            </a:r>
-          </a:p>
-          <a:p>
-            <a:pPr marL="285750" indent="-285750">
-              <a:buFont typeface="Arial" panose="020B0604020202020204" pitchFamily="34" charset="0"/>
-              <a:buChar char="•"/>
-            </a:pPr>
-            <a:r>
-              <a:rPr lang="en-US" dirty="0"/>
-              <a:t>GRU (Gated Recurrent Unit)</a:t>
-            </a:r>
-          </a:p>
-          <a:p>
-            <a:endParaRPr lang="en-US" dirty="0"/>
-          </a:p>
-          <a:p>
-            <a:r>
-              <a:rPr lang="en-US" dirty="0"/>
-              <a:t>Deal with variable length input and/or output</a:t>
-            </a:r>
-          </a:p>
-        </p:txBody>
-      </p:sp>
-      <p:sp>
-        <p:nvSpPr>
-          <p:cNvPr id="5" name="Slide Number Placeholder 4"/>
-          <p:cNvSpPr>
-            <a:spLocks noGrp="1"/>
-          </p:cNvSpPr>
-          <p:nvPr>
-            <p:ph type="sldNum" sz="quarter" idx="12"/>
-          </p:nvPr>
-        </p:nvSpPr>
-        <p:spPr/>
-        <p:txBody>
-          <a:bodyPr/>
-          <a:lstStyle/>
-          <a:p>
-            <a:fld id="{CF5A1C33-475D-474A-A037-DDAF3DC7AF09}" type="slidenum">
-              <a:rPr lang="en-US" smtClean="0"/>
-              <a:t>29</a:t>
-            </a:fld>
-            <a:endParaRPr lang="en-US"/>
-          </a:p>
-        </p:txBody>
-      </p:sp>
-    </p:spTree>
-    <p:extLst>
-      <p:ext uri="{BB962C8B-B14F-4D97-AF65-F5344CB8AC3E}">
-        <p14:creationId xmlns:p14="http://schemas.microsoft.com/office/powerpoint/2010/main" val="3151478004"/>
-      </p:ext>
-    </p:extLst>
-  </p:cSld>
-  <p:clrMapOvr>
-    <a:masterClrMapping/>
-  </p:clrMapOvr>
-  <p:timing>
-    <p:tnLst>
-      <p:par>
-        <p:cTn id="1" dur="indefinite" restart="never" nodeType="tmRoot">
-          <p:childTnLst>
-            <p:seq concurrent="1" nextAc="seek">
-              <p:cTn id="2" dur="indefinite" nodeType="mainSeq">
-                <p:childTnLst>
-                  <p:par>
-                    <p:cTn id="3" fill="hold">
-                      <p:stCondLst>
-                        <p:cond delay="indefinite"/>
-                        <p:cond evt="onBegin" delay="0">
-                          <p:tn val="2"/>
-                        </p:cond>
-                      </p:stCondLst>
-                      <p:childTnLst>
-                        <p:par>
-                          <p:cTn id="4" fill="hold">
-                            <p:stCondLst>
-                              <p:cond delay="0"/>
-                            </p:stCondLst>
-                            <p:childTnLst>
-                              <p:par>
-                                <p:cTn id="5" presetID="1" presetClass="entr" presetSubtype="0" fill="hold" grpId="0" nodeType="withEffect">
-                                  <p:stCondLst>
-                                    <p:cond delay="0"/>
-                                  </p:stCondLst>
-                                  <p:childTnLst>
-                                    <p:set>
-                                      <p:cBhvr>
-                                        <p:cTn id="6" dur="1" fill="hold">
-                                          <p:stCondLst>
-                                            <p:cond delay="0"/>
-                                          </p:stCondLst>
-                                        </p:cTn>
-                                        <p:tgtEl>
-                                          <p:spTgt spid="4">
-                                            <p:txEl>
-                                              <p:pRg st="0" end="0"/>
-                                            </p:txEl>
-                                          </p:spTgt>
-                                        </p:tgtEl>
-                                        <p:attrNameLst>
-                                          <p:attrName>style.visibility</p:attrName>
-                                        </p:attrNameLst>
-                                      </p:cBhvr>
-                                      <p:to>
-                                        <p:strVal val="visible"/>
-                                      </p:to>
-                                    </p:set>
-                                  </p:childTnLst>
-                                </p:cTn>
-                              </p:par>
-                              <p:par>
-                                <p:cTn id="7" presetID="1" presetClass="entr" presetSubtype="0" fill="hold" grpId="0" nodeType="withEffect">
-                                  <p:stCondLst>
-                                    <p:cond delay="0"/>
-                                  </p:stCondLst>
-                                  <p:childTnLst>
-                                    <p:set>
-                                      <p:cBhvr>
-                                        <p:cTn id="8" dur="1" fill="hold">
-                                          <p:stCondLst>
-                                            <p:cond delay="0"/>
-                                          </p:stCondLst>
-                                        </p:cTn>
-                                        <p:tgtEl>
-                                          <p:spTgt spid="4">
-                                            <p:txEl>
-                                              <p:pRg st="1" end="1"/>
-                                            </p:txEl>
-                                          </p:spTgt>
-                                        </p:tgtEl>
-                                        <p:attrNameLst>
-                                          <p:attrName>style.visibility</p:attrName>
-                                        </p:attrNameLst>
-                                      </p:cBhvr>
-                                      <p:to>
-                                        <p:strVal val="visible"/>
-                                      </p:to>
-                                    </p:set>
-                                  </p:childTnLst>
-                                </p:cTn>
-                              </p:par>
-                            </p:childTnLst>
-                          </p:cTn>
-                        </p:par>
-                      </p:childTnLst>
-                    </p:cTn>
-                  </p:par>
-                  <p:par>
-                    <p:cTn id="9" fill="hold">
-                      <p:stCondLst>
-                        <p:cond delay="indefinite"/>
-                      </p:stCondLst>
-                      <p:childTnLst>
-                        <p:par>
-                          <p:cTn id="10" fill="hold">
-                            <p:stCondLst>
-                              <p:cond delay="0"/>
-                            </p:stCondLst>
-                            <p:childTnLst>
-                              <p:par>
-                                <p:cTn id="11" presetID="1" presetClass="entr" presetSubtype="0" fill="hold" grpId="0" nodeType="clickEffect">
-                                  <p:stCondLst>
-                                    <p:cond delay="0"/>
-                                  </p:stCondLst>
-                                  <p:childTnLst>
-                                    <p:set>
-                                      <p:cBhvr>
-                                        <p:cTn id="12" dur="1" fill="hold">
-                                          <p:stCondLst>
-                                            <p:cond delay="0"/>
-                                          </p:stCondLst>
-                                        </p:cTn>
-                                        <p:tgtEl>
-                                          <p:spTgt spid="4">
-                                            <p:txEl>
-                                              <p:pRg st="2" end="2"/>
-                                            </p:txEl>
-                                          </p:spTgt>
-                                        </p:tgtEl>
-                                        <p:attrNameLst>
-                                          <p:attrName>style.visibility</p:attrName>
-                                        </p:attrNameLst>
-                                      </p:cBhvr>
-                                      <p:to>
-                                        <p:strVal val="visible"/>
-                                      </p:to>
-                                    </p:set>
-                                  </p:childTnLst>
-                                </p:cTn>
-                              </p:par>
-                            </p:childTnLst>
-                          </p:cTn>
-                        </p:par>
-                      </p:childTnLst>
-                    </p:cTn>
-                  </p:par>
-                  <p:par>
-                    <p:cTn id="13" fill="hold">
-                      <p:stCondLst>
-                        <p:cond delay="indefinite"/>
-                      </p:stCondLst>
-                      <p:childTnLst>
-                        <p:par>
-                          <p:cTn id="14" fill="hold">
-                            <p:stCondLst>
-                              <p:cond delay="0"/>
-                            </p:stCondLst>
-                            <p:childTnLst>
-                              <p:par>
-                                <p:cTn id="15" presetID="1" presetClass="entr" presetSubtype="0" fill="hold" grpId="0" nodeType="clickEffect">
-                                  <p:stCondLst>
-                                    <p:cond delay="0"/>
-                                  </p:stCondLst>
-                                  <p:childTnLst>
-                                    <p:set>
-                                      <p:cBhvr>
-                                        <p:cTn id="16" dur="1" fill="hold">
-                                          <p:stCondLst>
-                                            <p:cond delay="0"/>
-                                          </p:stCondLst>
-                                        </p:cTn>
-                                        <p:tgtEl>
-                                          <p:spTgt spid="4">
-                                            <p:txEl>
-                                              <p:pRg st="4" end="4"/>
-                                            </p:txEl>
-                                          </p:spTgt>
-                                        </p:tgtEl>
-                                        <p:attrNameLst>
-                                          <p:attrName>style.visibility</p:attrName>
-                                        </p:attrNameLst>
-                                      </p:cBhvr>
-                                      <p:to>
-                                        <p:strVal val="visible"/>
-                                      </p:to>
-                                    </p:set>
-                                  </p:childTnLst>
-                                </p:cTn>
-                              </p:par>
-                            </p:childTnLst>
-                          </p:cTn>
-                        </p:par>
-                      </p:childTnLst>
-                    </p:cTn>
-                  </p:par>
-                  <p:par>
-                    <p:cTn id="17" fill="hold">
-                      <p:stCondLst>
-                        <p:cond delay="indefinite"/>
-                      </p:stCondLst>
-                      <p:childTnLst>
-                        <p:par>
-                          <p:cTn id="18" fill="hold">
-                            <p:stCondLst>
-                              <p:cond delay="0"/>
-                            </p:stCondLst>
-                            <p:childTnLst>
-                              <p:par>
-                                <p:cTn id="19" presetID="1" presetClass="entr" presetSubtype="0" fill="hold" grpId="0" nodeType="clickEffect">
-                                  <p:stCondLst>
-                                    <p:cond delay="0"/>
-                                  </p:stCondLst>
-                                  <p:childTnLst>
-                                    <p:set>
-                                      <p:cBhvr>
-                                        <p:cTn id="20" dur="1" fill="hold">
-                                          <p:stCondLst>
-                                            <p:cond delay="0"/>
-                                          </p:stCondLst>
-                                        </p:cTn>
-                                        <p:tgtEl>
-                                          <p:spTgt spid="4">
-                                            <p:txEl>
-                                              <p:pRg st="6" end="6"/>
-                                            </p:txEl>
-                                          </p:spTgt>
-                                        </p:tgtEl>
-                                        <p:attrNameLst>
-                                          <p:attrName>style.visibility</p:attrName>
-                                        </p:attrNameLst>
-                                      </p:cBhvr>
-                                      <p:to>
-                                        <p:strVal val="visible"/>
-                                      </p:to>
-                                    </p:set>
-                                  </p:childTnLst>
-                                </p:cTn>
-                              </p:par>
-                              <p:par>
-                                <p:cTn id="21" presetID="1" presetClass="entr" presetSubtype="0" fill="hold" grpId="0" nodeType="withEffect">
-                                  <p:stCondLst>
-                                    <p:cond delay="0"/>
-                                  </p:stCondLst>
-                                  <p:childTnLst>
-                                    <p:set>
-                                      <p:cBhvr>
-                                        <p:cTn id="22" dur="1" fill="hold">
-                                          <p:stCondLst>
-                                            <p:cond delay="0"/>
-                                          </p:stCondLst>
-                                        </p:cTn>
-                                        <p:tgtEl>
-                                          <p:spTgt spid="4">
-                                            <p:txEl>
-                                              <p:pRg st="7" end="7"/>
-                                            </p:txEl>
-                                          </p:spTgt>
-                                        </p:tgtEl>
-                                        <p:attrNameLst>
-                                          <p:attrName>style.visibility</p:attrName>
-                                        </p:attrNameLst>
-                                      </p:cBhvr>
-                                      <p:to>
-                                        <p:strVal val="visible"/>
-                                      </p:to>
-                                    </p:set>
-                                  </p:childTnLst>
-                                </p:cTn>
-                              </p:par>
-                              <p:par>
-                                <p:cTn id="23" presetID="1" presetClass="entr" presetSubtype="0" fill="hold" grpId="0" nodeType="withEffect">
-                                  <p:stCondLst>
-                                    <p:cond delay="0"/>
-                                  </p:stCondLst>
-                                  <p:childTnLst>
-                                    <p:set>
-                                      <p:cBhvr>
-                                        <p:cTn id="24" dur="1" fill="hold">
-                                          <p:stCondLst>
-                                            <p:cond delay="0"/>
-                                          </p:stCondLst>
-                                        </p:cTn>
-                                        <p:tgtEl>
-                                          <p:spTgt spid="4">
-                                            <p:txEl>
-                                              <p:pRg st="8" end="8"/>
-                                            </p:txEl>
-                                          </p:spTgt>
-                                        </p:tgtEl>
-                                        <p:attrNameLst>
-                                          <p:attrName>style.visibility</p:attrName>
-                                        </p:attrNameLst>
-                                      </p:cBhvr>
-                                      <p:to>
-                                        <p:strVal val="visible"/>
-                                      </p:to>
-                                    </p:set>
-                                  </p:childTnLst>
-                                </p:cTn>
-                              </p:par>
-                            </p:childTnLst>
-                          </p:cTn>
-                        </p:par>
-                      </p:childTnLst>
-                    </p:cTn>
-                  </p:par>
-                  <p:par>
-                    <p:cTn id="25" fill="hold">
-                      <p:stCondLst>
-                        <p:cond delay="indefinite"/>
-                      </p:stCondLst>
-                      <p:childTnLst>
-                        <p:par>
-                          <p:cTn id="26" fill="hold">
-                            <p:stCondLst>
-                              <p:cond delay="0"/>
-                            </p:stCondLst>
-                            <p:childTnLst>
-                              <p:par>
-                                <p:cTn id="27" presetID="1" presetClass="entr" presetSubtype="0" fill="hold" grpId="0" nodeType="clickEffect">
-                                  <p:stCondLst>
-                                    <p:cond delay="0"/>
-                                  </p:stCondLst>
-                                  <p:childTnLst>
-                                    <p:set>
-                                      <p:cBhvr>
-                                        <p:cTn id="28" dur="1" fill="hold">
-                                          <p:stCondLst>
-                                            <p:cond delay="0"/>
-                                          </p:stCondLst>
-                                        </p:cTn>
-                                        <p:tgtEl>
-                                          <p:spTgt spid="4">
-                                            <p:txEl>
-                                              <p:pRg st="10" end="10"/>
-                                            </p:txEl>
-                                          </p:spTgt>
-                                        </p:tgtEl>
-                                        <p:attrNameLst>
-                                          <p:attrName>style.visibility</p:attrName>
-                                        </p:attrNameLst>
-                                      </p:cBhvr>
-                                      <p:to>
-                                        <p:strVal val="visible"/>
-                                      </p:to>
-                                    </p:set>
-                                  </p:childTnLst>
-                                </p:cTn>
-                              </p:par>
-                            </p:childTnLst>
-                          </p:cTn>
-                        </p:par>
-                      </p:childTnLst>
-                    </p:cTn>
-                  </p:par>
-                </p:childTnLst>
-              </p:cTn>
-              <p:prevCondLst>
-                <p:cond evt="onPrev" delay="0">
-                  <p:tgtEl>
-                    <p:sldTgt/>
-                  </p:tgtEl>
-                </p:cond>
-              </p:prevCondLst>
-              <p:nextCondLst>
-                <p:cond evt="onNext" delay="0">
-                  <p:tgtEl>
-                    <p:sldTgt/>
-                  </p:tgtEl>
-                </p:cond>
-              </p:nextCondLst>
-            </p:seq>
-          </p:childTnLst>
-        </p:cTn>
-      </p:par>
-    </p:tnLst>
-    <p:bldLst>
-      <p:bldP spid="4" grpId="0" uiExpand="1" build="p"/>
-    </p:bldLst>
-  </p:timing>
-</p:sld>
-</file>
-
 <file path=ppt/slides/slide3.xml><?xml version="1.0" encoding="utf-8"?>
 <p:sld xmlns:a="http://schemas.openxmlformats.org/drawingml/2006/main" xmlns:r="http://schemas.openxmlformats.org/officeDocument/2006/relationships" xmlns:p="http://schemas.openxmlformats.org/presentationml/2006/main">
   <p:cSld>
@@ -26851,10 +26376,9 @@
           <a:p>
             <a:pPr lvl="1"/>
             <a:r>
-              <a:rPr lang="en-US" dirty="0" err="1"/>
-              <a:t>commericial</a:t>
-            </a:r>
-            <a:endParaRPr lang="en-US" dirty="0"/>
+              <a:rPr lang="en-US" dirty="0"/>
+              <a:t>commercial</a:t>
+            </a:r>
           </a:p>
           <a:p>
             <a:pPr lvl="1"/>
@@ -27363,6 +26887,599 @@
         </p:nvSpPr>
         <p:spPr>
           <a:xfrm>
+            <a:off x="2589212" y="653035"/>
+            <a:ext cx="4713631" cy="634618"/>
+          </a:xfrm>
+        </p:spPr>
+        <p:txBody>
+          <a:bodyPr>
+            <a:noAutofit/>
+          </a:bodyPr>
+          <a:lstStyle/>
+          <a:p>
+            <a:r>
+              <a:rPr lang="en-US" sz="3600" dirty="0"/>
+              <a:t>How to remember?</a:t>
+            </a:r>
+          </a:p>
+        </p:txBody>
+      </p:sp>
+      <p:pic>
+        <p:nvPicPr>
+          <p:cNvPr id="4098" name="Picture 2" descr="https://cdn-images-1.medium.com/max/800/1*7oE-4Wg6bZ7u8yDf5cjJPA.png"/>
+          <p:cNvPicPr>
+            <a:picLocks noGrp="1" noChangeAspect="1" noChangeArrowheads="1"/>
+          </p:cNvPicPr>
+          <p:nvPr>
+            <p:ph idx="1"/>
+          </p:nvPr>
+        </p:nvPicPr>
+        <p:blipFill>
+          <a:blip r:embed="rId2">
+            <a:extLst>
+              <a:ext uri="{28A0092B-C50C-407E-A947-70E740481C1C}">
+                <a14:useLocalDpi xmlns:a14="http://schemas.microsoft.com/office/drawing/2010/main" val="0"/>
+              </a:ext>
+            </a:extLst>
+          </a:blip>
+          <a:stretch>
+            <a:fillRect/>
+          </a:stretch>
+        </p:blipFill>
+        <p:spPr bwMode="auto">
+          <a:xfrm>
+            <a:off x="6323013" y="2256504"/>
+            <a:ext cx="5181600" cy="1794129"/>
+          </a:xfrm>
+          <a:prstGeom prst="rect">
+            <a:avLst/>
+          </a:prstGeom>
+          <a:noFill/>
+          <a:extLst>
+            <a:ext uri="{909E8E84-426E-40DD-AFC4-6F175D3DCCD1}">
+              <a14:hiddenFill xmlns:a14="http://schemas.microsoft.com/office/drawing/2010/main">
+                <a:solidFill>
+                  <a:srgbClr val="FFFFFF"/>
+                </a:solidFill>
+              </a14:hiddenFill>
+            </a:ext>
+          </a:extLst>
+        </p:spPr>
+      </p:pic>
+      <p:sp>
+        <p:nvSpPr>
+          <p:cNvPr id="4" name="Text Placeholder 3"/>
+          <p:cNvSpPr>
+            <a:spLocks noGrp="1"/>
+          </p:cNvSpPr>
+          <p:nvPr>
+            <p:ph type="body" sz="half" idx="2"/>
+          </p:nvPr>
+        </p:nvSpPr>
+        <p:spPr/>
+        <p:txBody>
+          <a:bodyPr>
+            <a:normAutofit/>
+          </a:bodyPr>
+          <a:lstStyle/>
+          <a:p>
+            <a:r>
+              <a:rPr lang="en-US" dirty="0"/>
+              <a:t>Manage history, network learns</a:t>
+            </a:r>
+          </a:p>
+          <a:p>
+            <a:pPr marL="285750" indent="-285750">
+              <a:buFont typeface="Arial" panose="020B0604020202020204" pitchFamily="34" charset="0"/>
+              <a:buChar char="•"/>
+            </a:pPr>
+            <a:r>
+              <a:rPr lang="en-US" dirty="0"/>
+              <a:t>what to remember</a:t>
+            </a:r>
+          </a:p>
+          <a:p>
+            <a:pPr marL="285750" indent="-285750">
+              <a:buFont typeface="Arial" panose="020B0604020202020204" pitchFamily="34" charset="0"/>
+              <a:buChar char="•"/>
+            </a:pPr>
+            <a:r>
+              <a:rPr lang="en-US" dirty="0"/>
+              <a:t>what to forget</a:t>
+            </a:r>
+          </a:p>
+          <a:p>
+            <a:pPr marL="285750" indent="-285750">
+              <a:buFont typeface="Arial" panose="020B0604020202020204" pitchFamily="34" charset="0"/>
+              <a:buChar char="•"/>
+            </a:pPr>
+            <a:endParaRPr lang="en-US" dirty="0"/>
+          </a:p>
+          <a:p>
+            <a:r>
+              <a:rPr lang="en-US" dirty="0"/>
+              <a:t>Long-term correlations!</a:t>
+            </a:r>
+          </a:p>
+          <a:p>
+            <a:endParaRPr lang="en-US" dirty="0"/>
+          </a:p>
+          <a:p>
+            <a:r>
+              <a:rPr lang="en-US" dirty="0"/>
+              <a:t>Use, e.g.,</a:t>
+            </a:r>
+          </a:p>
+          <a:p>
+            <a:pPr marL="285750" indent="-285750">
+              <a:buFont typeface="Arial" panose="020B0604020202020204" pitchFamily="34" charset="0"/>
+              <a:buChar char="•"/>
+            </a:pPr>
+            <a:r>
+              <a:rPr lang="en-US" dirty="0"/>
+              <a:t>LSTM (Long Short-Term Memory)</a:t>
+            </a:r>
+          </a:p>
+          <a:p>
+            <a:pPr marL="285750" indent="-285750">
+              <a:buFont typeface="Arial" panose="020B0604020202020204" pitchFamily="34" charset="0"/>
+              <a:buChar char="•"/>
+            </a:pPr>
+            <a:r>
+              <a:rPr lang="en-US" dirty="0"/>
+              <a:t>GRU (Gated Recurrent Unit)</a:t>
+            </a:r>
+          </a:p>
+          <a:p>
+            <a:endParaRPr lang="en-US" dirty="0"/>
+          </a:p>
+          <a:p>
+            <a:r>
+              <a:rPr lang="en-US" dirty="0"/>
+              <a:t>Deal with variable length input and/or output</a:t>
+            </a:r>
+          </a:p>
+        </p:txBody>
+      </p:sp>
+      <p:sp>
+        <p:nvSpPr>
+          <p:cNvPr id="5" name="Slide Number Placeholder 4"/>
+          <p:cNvSpPr>
+            <a:spLocks noGrp="1"/>
+          </p:cNvSpPr>
+          <p:nvPr>
+            <p:ph type="sldNum" sz="quarter" idx="12"/>
+          </p:nvPr>
+        </p:nvSpPr>
+        <p:spPr/>
+        <p:txBody>
+          <a:bodyPr/>
+          <a:lstStyle/>
+          <a:p>
+            <a:fld id="{CF5A1C33-475D-474A-A037-DDAF3DC7AF09}" type="slidenum">
+              <a:rPr lang="en-US" smtClean="0"/>
+              <a:t>30</a:t>
+            </a:fld>
+            <a:endParaRPr lang="en-US"/>
+          </a:p>
+        </p:txBody>
+      </p:sp>
+    </p:spTree>
+    <p:extLst>
+      <p:ext uri="{BB962C8B-B14F-4D97-AF65-F5344CB8AC3E}">
+        <p14:creationId xmlns:p14="http://schemas.microsoft.com/office/powerpoint/2010/main" val="3151478004"/>
+      </p:ext>
+    </p:extLst>
+  </p:cSld>
+  <p:clrMapOvr>
+    <a:masterClrMapping/>
+  </p:clrMapOvr>
+  <p:timing>
+    <p:tnLst>
+      <p:par>
+        <p:cTn id="1" dur="indefinite" restart="never" nodeType="tmRoot">
+          <p:childTnLst>
+            <p:seq concurrent="1" nextAc="seek">
+              <p:cTn id="2" dur="indefinite" nodeType="mainSeq">
+                <p:childTnLst>
+                  <p:par>
+                    <p:cTn id="3" fill="hold">
+                      <p:stCondLst>
+                        <p:cond delay="indefinite"/>
+                        <p:cond evt="onBegin" delay="0">
+                          <p:tn val="2"/>
+                        </p:cond>
+                      </p:stCondLst>
+                      <p:childTnLst>
+                        <p:par>
+                          <p:cTn id="4" fill="hold">
+                            <p:stCondLst>
+                              <p:cond delay="0"/>
+                            </p:stCondLst>
+                            <p:childTnLst>
+                              <p:par>
+                                <p:cTn id="5" presetID="1" presetClass="entr" presetSubtype="0" fill="hold" grpId="0" nodeType="withEffect">
+                                  <p:stCondLst>
+                                    <p:cond delay="0"/>
+                                  </p:stCondLst>
+                                  <p:childTnLst>
+                                    <p:set>
+                                      <p:cBhvr>
+                                        <p:cTn id="6" dur="1" fill="hold">
+                                          <p:stCondLst>
+                                            <p:cond delay="0"/>
+                                          </p:stCondLst>
+                                        </p:cTn>
+                                        <p:tgtEl>
+                                          <p:spTgt spid="4">
+                                            <p:txEl>
+                                              <p:pRg st="0" end="0"/>
+                                            </p:txEl>
+                                          </p:spTgt>
+                                        </p:tgtEl>
+                                        <p:attrNameLst>
+                                          <p:attrName>style.visibility</p:attrName>
+                                        </p:attrNameLst>
+                                      </p:cBhvr>
+                                      <p:to>
+                                        <p:strVal val="visible"/>
+                                      </p:to>
+                                    </p:set>
+                                  </p:childTnLst>
+                                </p:cTn>
+                              </p:par>
+                              <p:par>
+                                <p:cTn id="7" presetID="1" presetClass="entr" presetSubtype="0" fill="hold" grpId="0" nodeType="withEffect">
+                                  <p:stCondLst>
+                                    <p:cond delay="0"/>
+                                  </p:stCondLst>
+                                  <p:childTnLst>
+                                    <p:set>
+                                      <p:cBhvr>
+                                        <p:cTn id="8" dur="1" fill="hold">
+                                          <p:stCondLst>
+                                            <p:cond delay="0"/>
+                                          </p:stCondLst>
+                                        </p:cTn>
+                                        <p:tgtEl>
+                                          <p:spTgt spid="4">
+                                            <p:txEl>
+                                              <p:pRg st="1" end="1"/>
+                                            </p:txEl>
+                                          </p:spTgt>
+                                        </p:tgtEl>
+                                        <p:attrNameLst>
+                                          <p:attrName>style.visibility</p:attrName>
+                                        </p:attrNameLst>
+                                      </p:cBhvr>
+                                      <p:to>
+                                        <p:strVal val="visible"/>
+                                      </p:to>
+                                    </p:set>
+                                  </p:childTnLst>
+                                </p:cTn>
+                              </p:par>
+                            </p:childTnLst>
+                          </p:cTn>
+                        </p:par>
+                      </p:childTnLst>
+                    </p:cTn>
+                  </p:par>
+                  <p:par>
+                    <p:cTn id="9" fill="hold">
+                      <p:stCondLst>
+                        <p:cond delay="indefinite"/>
+                      </p:stCondLst>
+                      <p:childTnLst>
+                        <p:par>
+                          <p:cTn id="10" fill="hold">
+                            <p:stCondLst>
+                              <p:cond delay="0"/>
+                            </p:stCondLst>
+                            <p:childTnLst>
+                              <p:par>
+                                <p:cTn id="11" presetID="1" presetClass="entr" presetSubtype="0" fill="hold" grpId="0" nodeType="clickEffect">
+                                  <p:stCondLst>
+                                    <p:cond delay="0"/>
+                                  </p:stCondLst>
+                                  <p:childTnLst>
+                                    <p:set>
+                                      <p:cBhvr>
+                                        <p:cTn id="12" dur="1" fill="hold">
+                                          <p:stCondLst>
+                                            <p:cond delay="0"/>
+                                          </p:stCondLst>
+                                        </p:cTn>
+                                        <p:tgtEl>
+                                          <p:spTgt spid="4">
+                                            <p:txEl>
+                                              <p:pRg st="2" end="2"/>
+                                            </p:txEl>
+                                          </p:spTgt>
+                                        </p:tgtEl>
+                                        <p:attrNameLst>
+                                          <p:attrName>style.visibility</p:attrName>
+                                        </p:attrNameLst>
+                                      </p:cBhvr>
+                                      <p:to>
+                                        <p:strVal val="visible"/>
+                                      </p:to>
+                                    </p:set>
+                                  </p:childTnLst>
+                                </p:cTn>
+                              </p:par>
+                            </p:childTnLst>
+                          </p:cTn>
+                        </p:par>
+                      </p:childTnLst>
+                    </p:cTn>
+                  </p:par>
+                  <p:par>
+                    <p:cTn id="13" fill="hold">
+                      <p:stCondLst>
+                        <p:cond delay="indefinite"/>
+                      </p:stCondLst>
+                      <p:childTnLst>
+                        <p:par>
+                          <p:cTn id="14" fill="hold">
+                            <p:stCondLst>
+                              <p:cond delay="0"/>
+                            </p:stCondLst>
+                            <p:childTnLst>
+                              <p:par>
+                                <p:cTn id="15" presetID="1" presetClass="entr" presetSubtype="0" fill="hold" grpId="0" nodeType="clickEffect">
+                                  <p:stCondLst>
+                                    <p:cond delay="0"/>
+                                  </p:stCondLst>
+                                  <p:childTnLst>
+                                    <p:set>
+                                      <p:cBhvr>
+                                        <p:cTn id="16" dur="1" fill="hold">
+                                          <p:stCondLst>
+                                            <p:cond delay="0"/>
+                                          </p:stCondLst>
+                                        </p:cTn>
+                                        <p:tgtEl>
+                                          <p:spTgt spid="4">
+                                            <p:txEl>
+                                              <p:pRg st="4" end="4"/>
+                                            </p:txEl>
+                                          </p:spTgt>
+                                        </p:tgtEl>
+                                        <p:attrNameLst>
+                                          <p:attrName>style.visibility</p:attrName>
+                                        </p:attrNameLst>
+                                      </p:cBhvr>
+                                      <p:to>
+                                        <p:strVal val="visible"/>
+                                      </p:to>
+                                    </p:set>
+                                  </p:childTnLst>
+                                </p:cTn>
+                              </p:par>
+                            </p:childTnLst>
+                          </p:cTn>
+                        </p:par>
+                      </p:childTnLst>
+                    </p:cTn>
+                  </p:par>
+                  <p:par>
+                    <p:cTn id="17" fill="hold">
+                      <p:stCondLst>
+                        <p:cond delay="indefinite"/>
+                      </p:stCondLst>
+                      <p:childTnLst>
+                        <p:par>
+                          <p:cTn id="18" fill="hold">
+                            <p:stCondLst>
+                              <p:cond delay="0"/>
+                            </p:stCondLst>
+                            <p:childTnLst>
+                              <p:par>
+                                <p:cTn id="19" presetID="1" presetClass="entr" presetSubtype="0" fill="hold" grpId="0" nodeType="clickEffect">
+                                  <p:stCondLst>
+                                    <p:cond delay="0"/>
+                                  </p:stCondLst>
+                                  <p:childTnLst>
+                                    <p:set>
+                                      <p:cBhvr>
+                                        <p:cTn id="20" dur="1" fill="hold">
+                                          <p:stCondLst>
+                                            <p:cond delay="0"/>
+                                          </p:stCondLst>
+                                        </p:cTn>
+                                        <p:tgtEl>
+                                          <p:spTgt spid="4">
+                                            <p:txEl>
+                                              <p:pRg st="6" end="6"/>
+                                            </p:txEl>
+                                          </p:spTgt>
+                                        </p:tgtEl>
+                                        <p:attrNameLst>
+                                          <p:attrName>style.visibility</p:attrName>
+                                        </p:attrNameLst>
+                                      </p:cBhvr>
+                                      <p:to>
+                                        <p:strVal val="visible"/>
+                                      </p:to>
+                                    </p:set>
+                                  </p:childTnLst>
+                                </p:cTn>
+                              </p:par>
+                              <p:par>
+                                <p:cTn id="21" presetID="1" presetClass="entr" presetSubtype="0" fill="hold" grpId="0" nodeType="withEffect">
+                                  <p:stCondLst>
+                                    <p:cond delay="0"/>
+                                  </p:stCondLst>
+                                  <p:childTnLst>
+                                    <p:set>
+                                      <p:cBhvr>
+                                        <p:cTn id="22" dur="1" fill="hold">
+                                          <p:stCondLst>
+                                            <p:cond delay="0"/>
+                                          </p:stCondLst>
+                                        </p:cTn>
+                                        <p:tgtEl>
+                                          <p:spTgt spid="4">
+                                            <p:txEl>
+                                              <p:pRg st="7" end="7"/>
+                                            </p:txEl>
+                                          </p:spTgt>
+                                        </p:tgtEl>
+                                        <p:attrNameLst>
+                                          <p:attrName>style.visibility</p:attrName>
+                                        </p:attrNameLst>
+                                      </p:cBhvr>
+                                      <p:to>
+                                        <p:strVal val="visible"/>
+                                      </p:to>
+                                    </p:set>
+                                  </p:childTnLst>
+                                </p:cTn>
+                              </p:par>
+                              <p:par>
+                                <p:cTn id="23" presetID="1" presetClass="entr" presetSubtype="0" fill="hold" grpId="0" nodeType="withEffect">
+                                  <p:stCondLst>
+                                    <p:cond delay="0"/>
+                                  </p:stCondLst>
+                                  <p:childTnLst>
+                                    <p:set>
+                                      <p:cBhvr>
+                                        <p:cTn id="24" dur="1" fill="hold">
+                                          <p:stCondLst>
+                                            <p:cond delay="0"/>
+                                          </p:stCondLst>
+                                        </p:cTn>
+                                        <p:tgtEl>
+                                          <p:spTgt spid="4">
+                                            <p:txEl>
+                                              <p:pRg st="8" end="8"/>
+                                            </p:txEl>
+                                          </p:spTgt>
+                                        </p:tgtEl>
+                                        <p:attrNameLst>
+                                          <p:attrName>style.visibility</p:attrName>
+                                        </p:attrNameLst>
+                                      </p:cBhvr>
+                                      <p:to>
+                                        <p:strVal val="visible"/>
+                                      </p:to>
+                                    </p:set>
+                                  </p:childTnLst>
+                                </p:cTn>
+                              </p:par>
+                            </p:childTnLst>
+                          </p:cTn>
+                        </p:par>
+                      </p:childTnLst>
+                    </p:cTn>
+                  </p:par>
+                  <p:par>
+                    <p:cTn id="25" fill="hold">
+                      <p:stCondLst>
+                        <p:cond delay="indefinite"/>
+                      </p:stCondLst>
+                      <p:childTnLst>
+                        <p:par>
+                          <p:cTn id="26" fill="hold">
+                            <p:stCondLst>
+                              <p:cond delay="0"/>
+                            </p:stCondLst>
+                            <p:childTnLst>
+                              <p:par>
+                                <p:cTn id="27" presetID="1" presetClass="entr" presetSubtype="0" fill="hold" grpId="0" nodeType="clickEffect">
+                                  <p:stCondLst>
+                                    <p:cond delay="0"/>
+                                  </p:stCondLst>
+                                  <p:childTnLst>
+                                    <p:set>
+                                      <p:cBhvr>
+                                        <p:cTn id="28" dur="1" fill="hold">
+                                          <p:stCondLst>
+                                            <p:cond delay="0"/>
+                                          </p:stCondLst>
+                                        </p:cTn>
+                                        <p:tgtEl>
+                                          <p:spTgt spid="4">
+                                            <p:txEl>
+                                              <p:pRg st="10" end="10"/>
+                                            </p:txEl>
+                                          </p:spTgt>
+                                        </p:tgtEl>
+                                        <p:attrNameLst>
+                                          <p:attrName>style.visibility</p:attrName>
+                                        </p:attrNameLst>
+                                      </p:cBhvr>
+                                      <p:to>
+                                        <p:strVal val="visible"/>
+                                      </p:to>
+                                    </p:set>
+                                  </p:childTnLst>
+                                </p:cTn>
+                              </p:par>
+                            </p:childTnLst>
+                          </p:cTn>
+                        </p:par>
+                      </p:childTnLst>
+                    </p:cTn>
+                  </p:par>
+                </p:childTnLst>
+              </p:cTn>
+              <p:prevCondLst>
+                <p:cond evt="onPrev" delay="0">
+                  <p:tgtEl>
+                    <p:sldTgt/>
+                  </p:tgtEl>
+                </p:cond>
+              </p:prevCondLst>
+              <p:nextCondLst>
+                <p:cond evt="onNext" delay="0">
+                  <p:tgtEl>
+                    <p:sldTgt/>
+                  </p:tgtEl>
+                </p:cond>
+              </p:nextCondLst>
+            </p:seq>
+          </p:childTnLst>
+        </p:cTn>
+      </p:par>
+    </p:tnLst>
+    <p:bldLst>
+      <p:bldP spid="4" grpId="0" uiExpand="1" build="p"/>
+    </p:bldLst>
+  </p:timing>
+</p:sld>
+</file>
+
+<file path=ppt/slides/slide31.xml><?xml version="1.0" encoding="utf-8"?>
+<p:sld xmlns:a="http://schemas.openxmlformats.org/drawingml/2006/main" xmlns:r="http://schemas.openxmlformats.org/officeDocument/2006/relationships" xmlns:p="http://schemas.openxmlformats.org/presentationml/2006/main">
+  <p:cSld>
+    <p:spTree>
+      <p:nvGrpSpPr>
+        <p:cNvPr id="1" name=""/>
+        <p:cNvGrpSpPr/>
+        <p:nvPr/>
+      </p:nvGrpSpPr>
+      <p:grpSpPr>
+        <a:xfrm>
+          <a:off x="0" y="0"/>
+          <a:ext cx="0" cy="0"/>
+          <a:chOff x="0" y="0"/>
+          <a:chExt cx="0" cy="0"/>
+        </a:xfrm>
+      </p:grpSpPr>
+      <p:sp>
+        <p:nvSpPr>
+          <p:cNvPr id="2" name="Title 1"/>
+          <p:cNvSpPr>
+            <a:spLocks noGrp="1"/>
+          </p:cNvSpPr>
+          <p:nvPr>
+            <p:ph type="title"/>
+          </p:nvPr>
+        </p:nvSpPr>
+        <p:spPr>
+          <a:xfrm>
             <a:off x="1637921" y="974302"/>
             <a:ext cx="8915400" cy="566738"/>
           </a:xfrm>
@@ -27531,7 +27648,7 @@
           <a:p>
             <a:fld id="{5A209D72-2E9D-49B0-8977-41DCCC66C0BB}" type="slidenum">
               <a:rPr lang="nl-BE" smtClean="0"/>
-              <a:t>30</a:t>
+              <a:t>31</a:t>
             </a:fld>
             <a:endParaRPr lang="nl-BE"/>
           </a:p>
@@ -28931,7 +29048,7 @@
 </p:sld>
 </file>
 
-<file path=ppt/slides/slide31.xml><?xml version="1.0" encoding="utf-8"?>
+<file path=ppt/slides/slide32.xml><?xml version="1.0" encoding="utf-8"?>
 <p:sld xmlns:a="http://schemas.openxmlformats.org/drawingml/2006/main" xmlns:r="http://schemas.openxmlformats.org/officeDocument/2006/relationships" xmlns:p="http://schemas.openxmlformats.org/presentationml/2006/main">
   <p:cSld>
     <p:spTree>
@@ -29183,7 +29300,7 @@
           <a:p>
             <a:fld id="{CF5A1C33-475D-474A-A037-DDAF3DC7AF09}" type="slidenum">
               <a:rPr lang="en-US" smtClean="0"/>
-              <a:t>31</a:t>
+              <a:t>32</a:t>
             </a:fld>
             <a:endParaRPr lang="en-US"/>
           </a:p>
@@ -29715,7 +29832,7 @@
 </p:sld>
 </file>
 
-<file path=ppt/slides/slide32.xml><?xml version="1.0" encoding="utf-8"?>
+<file path=ppt/slides/slide33.xml><?xml version="1.0" encoding="utf-8"?>
 <p:sld xmlns:a="http://schemas.openxmlformats.org/drawingml/2006/main" xmlns:r="http://schemas.openxmlformats.org/officeDocument/2006/relationships" xmlns:p="http://schemas.openxmlformats.org/presentationml/2006/main">
   <p:cSld>
     <p:spTree>
@@ -29820,7 +29937,7 @@
           <a:p>
             <a:fld id="{5A209D72-2E9D-49B0-8977-41DCCC66C0BB}" type="slidenum">
               <a:rPr lang="nl-BE" smtClean="0"/>
-              <a:t>32</a:t>
+              <a:t>33</a:t>
             </a:fld>
             <a:endParaRPr lang="nl-BE"/>
           </a:p>
